--- a/Docs/Thesis/Dissertation/MasterThesisKeyNote2017.pptx
+++ b/Docs/Thesis/Dissertation/MasterThesisKeyNote2017.pptx
@@ -3343,8 +3343,8 @@
         </p:nvSpPr>
         <p:spPr>
           <a:xfrm>
-            <a:off x="666750" y="3634706"/>
-            <a:ext cx="11671300" cy="1524001"/>
+            <a:off x="1123950" y="4114800"/>
+            <a:ext cx="11671300" cy="1524000"/>
           </a:xfrm>
           <a:prstGeom prst="rect">
             <a:avLst/>
@@ -3447,7 +3447,7 @@
         <p:spPr>
           <a:xfrm>
             <a:off x="346205" y="1016000"/>
-            <a:ext cx="1414232" cy="1193801"/>
+            <a:ext cx="1414232" cy="1193800"/>
           </a:xfrm>
           <a:prstGeom prst="rect">
             <a:avLst/>
@@ -3543,7 +3543,7 @@
       </p:grpSpPr>
       <p:sp>
         <p:nvSpPr>
-          <p:cNvPr id="290" name="XCore: Support for Developing Program Analysis Tools"/>
+          <p:cNvPr id="289" name="XCore: Support for Developing Program Analysis Tools"/>
           <p:cNvSpPr/>
           <p:nvPr/>
         </p:nvSpPr>
@@ -3589,7 +3589,7 @@
       </p:sp>
       <p:sp>
         <p:nvSpPr>
-          <p:cNvPr id="291" name="Alexandru Ștefănică…"/>
+          <p:cNvPr id="290" name="Alexandru Ștefănică…"/>
           <p:cNvSpPr/>
           <p:nvPr/>
         </p:nvSpPr>
@@ -3635,7 +3635,7 @@
       </p:sp>
       <p:pic>
         <p:nvPicPr>
-          <p:cNvPr id="292" name="https://github.com/SAlexandru/XCore" descr="https://github.com/SAlexandru/XCore"/>
+          <p:cNvPr id="291" name="https://github.com/SAlexandru/XCore" descr="https://github.com/SAlexandru/XCore"/>
           <p:cNvPicPr>
             <a:picLocks noChangeAspect="0"/>
           </p:cNvPicPr>
@@ -3668,7 +3668,7 @@
       </p:pic>
       <p:pic>
         <p:nvPicPr>
-          <p:cNvPr id="293" name="1_multipart_xF8FF_3_l2.jpg" descr="1_multipart_xF8FF_3_l2.jpg"/>
+          <p:cNvPr id="292" name="1_multipart_xF8FF_3_l2.jpg" descr="1_multipart_xF8FF_3_l2.jpg"/>
           <p:cNvPicPr>
             <a:picLocks noChangeAspect="1"/>
           </p:cNvPicPr>
@@ -3698,7 +3698,7 @@
       </p:pic>
       <p:pic>
         <p:nvPicPr>
-          <p:cNvPr id="294" name="universitatea-politehnica-timisoara.jpg" descr="universitatea-politehnica-timisoara.jpg"/>
+          <p:cNvPr id="293" name="universitatea-politehnica-timisoara.jpg" descr="universitatea-politehnica-timisoara.jpg"/>
           <p:cNvPicPr>
             <a:picLocks noChangeAspect="1"/>
           </p:cNvPicPr>
@@ -3727,7 +3727,7 @@
       </p:pic>
       <p:pic>
         <p:nvPicPr>
-          <p:cNvPr id="295" name="saner2017.png" descr="saner2017.png"/>
+          <p:cNvPr id="294" name="saner2017.png" descr="saner2017.png"/>
           <p:cNvPicPr>
             <a:picLocks noChangeAspect="1"/>
           </p:cNvPicPr>
@@ -4125,7 +4125,7 @@
         <p:grpSpPr>
           <a:xfrm>
             <a:off x="892548" y="6896157"/>
-            <a:ext cx="2143343" cy="2092138"/>
+            <a:ext cx="2143343" cy="2092137"/>
             <a:chOff x="0" y="0"/>
             <a:chExt cx="2143342" cy="2092136"/>
           </a:xfrm>
@@ -4224,8 +4224,8 @@
         </p:blipFill>
         <p:spPr>
           <a:xfrm>
-            <a:off x="5217711" y="7501900"/>
-            <a:ext cx="5088025" cy="1345111"/>
+            <a:off x="5217711" y="7501901"/>
+            <a:ext cx="5088026" cy="1345110"/>
           </a:xfrm>
           <a:prstGeom prst="rect">
             <a:avLst/>
@@ -4306,8 +4306,8 @@
         </p:blipFill>
         <p:spPr>
           <a:xfrm>
-            <a:off x="3700678" y="2131925"/>
-            <a:ext cx="4802653" cy="4959518"/>
+            <a:off x="3700678" y="2131926"/>
+            <a:ext cx="4802653" cy="4959517"/>
           </a:xfrm>
           <a:prstGeom prst="rect">
             <a:avLst/>
@@ -4369,7 +4369,7 @@
         <p:spPr>
           <a:xfrm rot="20460000">
             <a:off x="9249292" y="7912837"/>
-            <a:ext cx="2266000" cy="1066801"/>
+            <a:ext cx="2266001" cy="1066801"/>
           </a:xfrm>
           <a:prstGeom prst="rect">
             <a:avLst/>
@@ -5189,21 +5189,21 @@
       </p:par>
     </p:tnLst>
     <p:bldLst>
+      <p:bldP build="whole" bldLvl="1" animBg="1" rev="0" advAuto="0" spid="159" grpId="7"/>
+      <p:bldP build="whole" bldLvl="1" animBg="1" rev="0" advAuto="0" spid="150" grpId="8"/>
+      <p:bldP build="whole" bldLvl="1" animBg="1" rev="0" advAuto="0" spid="155" grpId="12"/>
+      <p:bldP build="whole" bldLvl="1" animBg="1" rev="0" advAuto="0" spid="147" grpId="1"/>
       <p:bldP build="whole" bldLvl="1" animBg="1" rev="0" advAuto="0" spid="154" grpId="5"/>
-      <p:bldP build="whole" bldLvl="1" animBg="1" rev="0" advAuto="0" spid="147" grpId="1"/>
-      <p:bldP build="whole" bldLvl="1" animBg="1" rev="0" advAuto="0" spid="155" grpId="12"/>
+      <p:bldP build="whole" bldLvl="1" animBg="1" rev="0" advAuto="0" spid="151" grpId="3"/>
+      <p:bldP build="whole" bldLvl="1" animBg="1" rev="0" advAuto="0" spid="159" grpId="14"/>
+      <p:bldP build="whole" bldLvl="1" animBg="1" rev="0" advAuto="0" spid="154" grpId="11"/>
+      <p:bldP build="whole" bldLvl="1" animBg="1" rev="0" advAuto="0" spid="158" grpId="4"/>
+      <p:bldP build="whole" bldLvl="1" animBg="1" rev="0" advAuto="0" spid="147" grpId="9"/>
+      <p:bldP build="whole" bldLvl="1" animBg="1" rev="0" advAuto="0" spid="151" grpId="10"/>
+      <p:bldP build="whole" bldLvl="1" animBg="1" rev="0" advAuto="0" spid="157" grpId="15"/>
+      <p:bldP build="whole" bldLvl="1" animBg="1" rev="0" advAuto="0" spid="155" grpId="6"/>
+      <p:bldP build="whole" bldLvl="1" animBg="1" rev="0" advAuto="0" spid="150" grpId="2"/>
       <p:bldP build="whole" bldLvl="1" animBg="1" rev="0" advAuto="0" spid="158" grpId="13"/>
-      <p:bldP build="whole" bldLvl="1" animBg="1" rev="0" advAuto="0" spid="159" grpId="7"/>
-      <p:bldP build="whole" bldLvl="1" animBg="1" rev="0" advAuto="0" spid="150" grpId="2"/>
-      <p:bldP build="whole" bldLvl="1" animBg="1" rev="0" advAuto="0" spid="154" grpId="11"/>
-      <p:bldP build="whole" bldLvl="1" animBg="1" rev="0" advAuto="0" spid="147" grpId="9"/>
-      <p:bldP build="whole" bldLvl="1" animBg="1" rev="0" advAuto="0" spid="150" grpId="8"/>
-      <p:bldP build="whole" bldLvl="1" animBg="1" rev="0" advAuto="0" spid="159" grpId="14"/>
-      <p:bldP build="whole" bldLvl="1" animBg="1" rev="0" advAuto="0" spid="151" grpId="3"/>
-      <p:bldP build="whole" bldLvl="1" animBg="1" rev="0" advAuto="0" spid="157" grpId="15"/>
-      <p:bldP build="whole" bldLvl="1" animBg="1" rev="0" advAuto="0" spid="158" grpId="4"/>
-      <p:bldP build="whole" bldLvl="1" animBg="1" rev="0" advAuto="0" spid="155" grpId="6"/>
-      <p:bldP build="whole" bldLvl="1" animBg="1" rev="0" advAuto="0" spid="151" grpId="10"/>
     </p:bldLst>
   </p:timing>
 </p:sld>
@@ -5649,9 +5649,9 @@
       </p:par>
     </p:tnLst>
     <p:bldLst>
+      <p:bldP build="whole" bldLvl="1" animBg="1" rev="0" advAuto="0" spid="163" grpId="2"/>
+      <p:bldP build="whole" bldLvl="1" animBg="1" rev="0" advAuto="0" spid="165" grpId="1"/>
       <p:bldP build="whole" bldLvl="1" animBg="1" rev="0" advAuto="0" spid="167" grpId="3"/>
-      <p:bldP build="whole" bldLvl="1" animBg="1" rev="0" advAuto="0" spid="165" grpId="1"/>
-      <p:bldP build="whole" bldLvl="1" animBg="1" rev="0" advAuto="0" spid="163" grpId="2"/>
     </p:bldLst>
   </p:timing>
 </p:sld>
@@ -7035,19 +7035,19 @@
       </p:par>
     </p:tnLst>
     <p:bldLst>
-      <p:bldP build="whole" bldLvl="1" animBg="1" rev="0" advAuto="0" spid="199" grpId="9"/>
-      <p:bldP build="whole" bldLvl="1" animBg="1" rev="0" advAuto="0" spid="174" grpId="2"/>
-      <p:bldP build="whole" bldLvl="1" animBg="1" rev="0" advAuto="0" spid="184" grpId="5"/>
-      <p:bldP build="whole" bldLvl="1" animBg="1" rev="0" advAuto="0" spid="209" grpId="12"/>
-      <p:bldP build="whole" bldLvl="1" animBg="1" rev="0" advAuto="0" spid="184" grpId="7"/>
       <p:bldP build="whole" bldLvl="1" animBg="1" rev="0" advAuto="0" spid="189" grpId="6"/>
       <p:bldP build="whole" bldLvl="1" animBg="1" rev="0" advAuto="0" spid="176" grpId="3"/>
+      <p:bldP build="whole" bldLvl="1" animBg="1" rev="0" advAuto="0" spid="184" grpId="5"/>
+      <p:bldP build="whole" bldLvl="1" animBg="1" rev="0" advAuto="0" spid="184" grpId="7"/>
+      <p:bldP build="whole" bldLvl="1" animBg="1" rev="0" advAuto="0" spid="171" grpId="1"/>
+      <p:bldP build="whole" bldLvl="1" animBg="1" rev="0" advAuto="0" spid="199" grpId="9"/>
+      <p:bldP build="whole" bldLvl="1" animBg="1" rev="0" advAuto="0" spid="194" grpId="8"/>
+      <p:bldP build="whole" bldLvl="1" animBg="1" rev="0" advAuto="0" spid="209" grpId="12"/>
+      <p:bldP build="whole" bldLvl="1" animBg="1" rev="0" advAuto="0" spid="194" grpId="10"/>
       <p:bldP build="whole" bldLvl="1" animBg="1" rev="0" advAuto="0" spid="204" grpId="11"/>
-      <p:bldP build="whole" bldLvl="1" animBg="1" rev="0" advAuto="0" spid="194" grpId="8"/>
       <p:bldP build="whole" bldLvl="1" animBg="1" rev="0" advAuto="0" spid="204" grpId="13"/>
-      <p:bldP build="whole" bldLvl="1" animBg="1" rev="0" advAuto="0" spid="194" grpId="10"/>
+      <p:bldP build="whole" bldLvl="1" animBg="1" rev="0" advAuto="0" spid="174" grpId="2"/>
       <p:bldP build="whole" bldLvl="1" animBg="1" rev="0" advAuto="0" spid="178" grpId="4"/>
-      <p:bldP build="whole" bldLvl="1" animBg="1" rev="0" advAuto="0" spid="171" grpId="1"/>
     </p:bldLst>
   </p:timing>
 </p:sld>
@@ -8602,13 +8602,13 @@
       </p:par>
     </p:tnLst>
     <p:bldLst>
+      <p:bldP build="whole" bldLvl="1" animBg="1" rev="0" advAuto="0" spid="219" grpId="1"/>
+      <p:bldP build="whole" bldLvl="1" animBg="1" rev="0" advAuto="0" spid="220" grpId="2"/>
+      <p:bldP build="whole" bldLvl="1" animBg="1" rev="0" advAuto="0" spid="227" grpId="6"/>
       <p:bldP build="whole" bldLvl="1" animBg="1" rev="0" advAuto="0" spid="217" grpId="3"/>
-      <p:bldP build="whole" bldLvl="1" animBg="1" rev="0" advAuto="0" spid="220" grpId="2"/>
-      <p:bldP build="whole" bldLvl="1" animBg="1" rev="0" advAuto="0" spid="221" grpId="7"/>
-      <p:bldP build="whole" bldLvl="1" animBg="1" rev="0" advAuto="0" spid="219" grpId="1"/>
-      <p:bldP build="whole" bldLvl="1" animBg="1" rev="0" advAuto="0" spid="227" grpId="6"/>
       <p:bldP build="whole" bldLvl="1" animBg="1" rev="0" advAuto="0" spid="224" grpId="5"/>
       <p:bldP build="whole" bldLvl="1" animBg="1" rev="0" advAuto="0" spid="218" grpId="4"/>
+      <p:bldP build="whole" bldLvl="1" animBg="1" rev="0" advAuto="0" spid="221" grpId="7"/>
     </p:bldLst>
   </p:timing>
 </p:sld>
@@ -9398,9 +9398,9 @@
       </p:par>
     </p:tnLst>
     <p:bldLst>
+      <p:bldP build="whole" bldLvl="1" animBg="1" rev="0" advAuto="0" spid="252" grpId="4"/>
       <p:bldP build="whole" bldLvl="1" animBg="1" rev="0" advAuto="0" spid="243" grpId="2"/>
       <p:bldP build="whole" bldLvl="1" animBg="1" rev="0" advAuto="0" spid="248" grpId="3"/>
-      <p:bldP build="whole" bldLvl="1" animBg="1" rev="0" advAuto="0" spid="252" grpId="4"/>
       <p:bldP build="whole" bldLvl="1" animBg="1" rev="0" advAuto="0" spid="238" grpId="1"/>
     </p:bldLst>
   </p:timing>
@@ -9550,8 +9550,8 @@
         </p:blipFill>
         <p:spPr>
           <a:xfrm>
-            <a:off x="4102099" y="1037166"/>
-            <a:ext cx="2559052" cy="1346201"/>
+            <a:off x="4102100" y="1037166"/>
+            <a:ext cx="2559051" cy="1346201"/>
           </a:xfrm>
           <a:prstGeom prst="rect">
             <a:avLst/>
@@ -9576,8 +9576,8 @@
         </p:blipFill>
         <p:spPr>
           <a:xfrm>
-            <a:off x="5156001" y="7886699"/>
-            <a:ext cx="3659189" cy="534923"/>
+            <a:off x="5156001" y="7886700"/>
+            <a:ext cx="3659189" cy="534922"/>
           </a:xfrm>
           <a:prstGeom prst="rect">
             <a:avLst/>
@@ -9629,7 +9629,7 @@
         <p:spPr>
           <a:xfrm>
             <a:off x="4609769" y="7194351"/>
-            <a:ext cx="3465315" cy="696913"/>
+            <a:ext cx="3465315" cy="696914"/>
           </a:xfrm>
           <a:prstGeom prst="rect">
             <a:avLst/>
@@ -9655,7 +9655,7 @@
         <p:spPr>
           <a:xfrm>
             <a:off x="8078222" y="3843270"/>
-            <a:ext cx="4664378" cy="4081539"/>
+            <a:ext cx="4664378" cy="4081540"/>
           </a:xfrm>
           <a:prstGeom prst="rect">
             <a:avLst/>
@@ -9681,7 +9681,7 @@
         <p:spPr>
           <a:xfrm>
             <a:off x="4206411" y="3035300"/>
-            <a:ext cx="5558368" cy="1346201"/>
+            <a:ext cx="5558368" cy="1346200"/>
           </a:xfrm>
           <a:prstGeom prst="rect">
             <a:avLst/>
@@ -10380,10 +10380,10 @@
       </p:par>
     </p:tnLst>
     <p:bldLst>
+      <p:bldP build="whole" bldLvl="1" animBg="1" rev="0" advAuto="0" spid="282" grpId="2"/>
+      <p:bldP build="whole" bldLvl="1" animBg="1" rev="0" advAuto="0" spid="283" grpId="1"/>
       <p:bldP build="whole" bldLvl="1" animBg="1" rev="0" advAuto="0" spid="281" grpId="3"/>
-      <p:bldP build="whole" bldLvl="1" animBg="1" rev="0" advAuto="0" spid="282" grpId="2"/>
       <p:bldP build="whole" bldLvl="1" animBg="1" rev="0" advAuto="0" spid="280" grpId="4"/>
-      <p:bldP build="whole" bldLvl="1" animBg="1" rev="0" advAuto="0" spid="283" grpId="1"/>
     </p:bldLst>
   </p:timing>
 </p:sld>
@@ -10493,8 +10493,8 @@
         </p:nvSpPr>
         <p:spPr>
           <a:xfrm>
-            <a:off x="789296" y="3389195"/>
-            <a:ext cx="8035344" cy="1079501"/>
+            <a:off x="2484728" y="3757495"/>
+            <a:ext cx="8035343" cy="1079501"/>
           </a:xfrm>
           <a:prstGeom prst="rect">
             <a:avLst/>
@@ -10542,67 +10542,6 @@
             </a:pPr>
             <a:r>
               <a:t>	combine two XCore-based tools </a:t>
-            </a:r>
-          </a:p>
-        </p:txBody>
-      </p:sp>
-      <p:sp>
-        <p:nvSpPr>
-          <p:cNvPr id="288" name="Associate to multiple back-ends…"/>
-          <p:cNvSpPr/>
-          <p:nvPr/>
-        </p:nvSpPr>
-        <p:spPr>
-          <a:xfrm>
-            <a:off x="789296" y="5914791"/>
-            <a:ext cx="8994838" cy="1079501"/>
-          </a:xfrm>
-          <a:prstGeom prst="rect">
-            <a:avLst/>
-          </a:prstGeom>
-          <a:ln w="12700">
-            <a:miter lim="400000"/>
-          </a:ln>
-          <a:extLst>
-            <a:ext uri="{C572A759-6A51-4108-AA02-DFA0A04FC94B}">
-              <ma14:wrappingTextBoxFlag xmlns:ma14="http://schemas.microsoft.com/office/mac/drawingml/2011/main" val="1"/>
-            </a:ext>
-          </a:extLst>
-        </p:spPr>
-        <p:txBody>
-          <a:bodyPr wrap="none" lIns="50800" tIns="50800" rIns="50800" bIns="50800" anchor="ctr">
-            <a:spAutoFit/>
-          </a:bodyPr>
-          <a:lstStyle/>
-          <a:p>
-            <a:pPr algn="l">
-              <a:defRPr b="1"/>
-            </a:pPr>
-            <a:r>
-              <a:t>Associate to </a:t>
-            </a:r>
-            <a:r>
-              <a:rPr>
-                <a:solidFill>
-                  <a:schemeClr val="accent5">
-                    <a:hueOff val="-176146"/>
-                    <a:satOff val="3665"/>
-                    <a:lumOff val="-13986"/>
-                  </a:schemeClr>
-                </a:solidFill>
-              </a:rPr>
-              <a:t>multiple</a:t>
-            </a:r>
-            <a:r>
-              <a:t> back-ends</a:t>
-            </a:r>
-          </a:p>
-          <a:p>
-            <a:pPr algn="l">
-              <a:defRPr b="1" sz="2400"/>
-            </a:pPr>
-            <a:r>
-              <a:t>	combine different tools</a:t>
             </a:r>
           </a:p>
         </p:txBody>
@@ -10673,49 +10612,6 @@
                             </p:childTnLst>
                           </p:cTn>
                         </p:par>
-                        <p:par>
-                          <p:cTn id="8" fill="hold">
-                            <p:stCondLst>
-                              <p:cond delay="1000"/>
-                            </p:stCondLst>
-                            <p:childTnLst>
-                              <p:par>
-                                <p:cTn id="9" presetClass="entr" nodeType="afterEffect" presetID="9" grpId="2" fill="hold">
-                                  <p:stCondLst>
-                                    <p:cond delay="0"/>
-                                  </p:stCondLst>
-                                  <p:iterate type="el" backwards="0">
-                                    <p:tmAbs val="0"/>
-                                  </p:iterate>
-                                  <p:childTnLst>
-                                    <p:set>
-                                      <p:cBhvr>
-                                        <p:cTn id="10" fill="hold"/>
-                                        <p:tgtEl>
-                                          <p:spTgt spid="288"/>
-                                        </p:tgtEl>
-                                        <p:attrNameLst>
-                                          <p:attrName>style.visibility</p:attrName>
-                                        </p:attrNameLst>
-                                      </p:cBhvr>
-                                      <p:to>
-                                        <p:strVal val="visible"/>
-                                      </p:to>
-                                    </p:set>
-                                    <p:animEffect filter="dissolve" transition="in">
-                                      <p:cBhvr>
-                                        <p:cTn id="11" dur="1000"/>
-                                        <p:tgtEl>
-                                          <p:spTgt spid="288"/>
-                                        </p:tgtEl>
-                                      </p:cBhvr>
-                                    </p:animEffect>
-                                  </p:childTnLst>
-                                </p:cTn>
-                              </p:par>
-                            </p:childTnLst>
-                          </p:cTn>
-                        </p:par>
                       </p:childTnLst>
                     </p:cTn>
                   </p:par>
@@ -10742,7 +10638,6 @@
     </p:tnLst>
     <p:bldLst>
       <p:bldP build="whole" bldLvl="1" animBg="1" rev="0" advAuto="0" spid="287" grpId="1"/>
-      <p:bldP build="whole" bldLvl="1" animBg="1" rev="0" advAuto="0" spid="288" grpId="2"/>
     </p:bldLst>
   </p:timing>
 </p:sld>
